--- a/Labs/CS418-Lab3-Fa2019.pptx
+++ b/Labs/CS418-Lab3-Fa2019.pptx
@@ -4748,7 +4748,21 @@
                 <a:latin typeface="Calibri" panose="020F0502020204030204" pitchFamily="34" charset="0"/>
                 <a:cs typeface="Calibri" panose="020F0502020204030204" pitchFamily="34" charset="0"/>
               </a:rPr>
-              <a:t>First, download the zip file Lab4.zip</a:t>
+              <a:t>First, download the zip </a:t>
+            </a:r>
+            <a:r>
+              <a:rPr lang="en-US">
+                <a:latin typeface="Calibri" panose="020F0502020204030204" pitchFamily="34" charset="0"/>
+                <a:cs typeface="Calibri" panose="020F0502020204030204" pitchFamily="34" charset="0"/>
+              </a:rPr>
+              <a:t>file Lab3-Fa2019.</a:t>
+            </a:r>
+            <a:r>
+              <a:rPr lang="en-US" dirty="0">
+                <a:latin typeface="Calibri" panose="020F0502020204030204" pitchFamily="34" charset="0"/>
+                <a:cs typeface="Calibri" panose="020F0502020204030204" pitchFamily="34" charset="0"/>
+              </a:rPr>
+              <a:t>zip</a:t>
             </a:r>
           </a:p>
           <a:p>
